--- a/Public Relations/Smart Drip Chamber Presentation.pptx
+++ b/Public Relations/Smart Drip Chamber Presentation.pptx
@@ -5,7 +5,7 @@
     <p:sldMasterId id="2147483648" r:id="rId1"/>
   </p:sldMasterIdLst>
   <p:notesMasterIdLst>
-    <p:notesMasterId r:id="rId17"/>
+    <p:notesMasterId r:id="rId19"/>
   </p:notesMasterIdLst>
   <p:sldIdLst>
     <p:sldId id="256" r:id="rId2"/>
@@ -16,13 +16,15 @@
     <p:sldId id="261" r:id="rId7"/>
     <p:sldId id="262" r:id="rId8"/>
     <p:sldId id="263" r:id="rId9"/>
-    <p:sldId id="264" r:id="rId10"/>
-    <p:sldId id="265" r:id="rId11"/>
-    <p:sldId id="266" r:id="rId12"/>
-    <p:sldId id="267" r:id="rId13"/>
-    <p:sldId id="268" r:id="rId14"/>
-    <p:sldId id="269" r:id="rId15"/>
-    <p:sldId id="270" r:id="rId16"/>
+    <p:sldId id="265" r:id="rId10"/>
+    <p:sldId id="266" r:id="rId11"/>
+    <p:sldId id="264" r:id="rId12"/>
+    <p:sldId id="271" r:id="rId13"/>
+    <p:sldId id="272" r:id="rId14"/>
+    <p:sldId id="267" r:id="rId15"/>
+    <p:sldId id="268" r:id="rId16"/>
+    <p:sldId id="269" r:id="rId17"/>
+    <p:sldId id="270" r:id="rId18"/>
   </p:sldIdLst>
   <p:sldSz cx="13004800" cy="9753600"/>
   <p:notesSz cx="6858000" cy="9144000"/>
@@ -687,7 +689,39 @@
                 <a:latin typeface="Helvetica Neue"/>
                 <a:sym typeface="Helvetica Neue"/>
               </a:rPr>
-              <a:t> to approach Distributors and Manufacturers for Manufacturing or Licensing agreements, we first need to secure a patent for our product. From here it’s just simply finding any one of Medical Action Industries, Cardinal Health, Medline, or Dickinson and Co. and negotiate an agreement.</a:t>
+              <a:t> to approach Distributors and Manufacturers for Manufacturing or Licensing agreements, we first need to secure a patent for our product. From here it’s just simply finding any one of Medical Action Industries, </a:t>
+            </a:r>
+            <a:r>
+              <a:rPr lang="en-US" sz="2200" b="0" i="0" baseline="0" dirty="0" smtClean="0">
+                <a:effectLst/>
+                <a:latin typeface="Helvetica Neue"/>
+                <a:sym typeface="Helvetica Neue"/>
+              </a:rPr>
+              <a:t>Medline</a:t>
+            </a:r>
+            <a:r>
+              <a:rPr lang="en-US" sz="2200" b="0" i="0" baseline="0" dirty="0" smtClean="0">
+                <a:effectLst/>
+                <a:latin typeface="Helvetica Neue"/>
+                <a:sym typeface="Helvetica Neue"/>
+              </a:rPr>
+              <a:t>, or </a:t>
+            </a:r>
+            <a:r>
+              <a:rPr lang="en-US" sz="2200" b="0" i="0" baseline="0" dirty="0" smtClean="0">
+                <a:effectLst/>
+                <a:latin typeface="Helvetica Neue"/>
+                <a:sym typeface="Helvetica Neue"/>
+              </a:rPr>
+              <a:t>Braun </a:t>
+            </a:r>
+            <a:r>
+              <a:rPr lang="en-US" sz="2200" b="0" i="0" baseline="0" dirty="0" smtClean="0">
+                <a:effectLst/>
+                <a:latin typeface="Helvetica Neue"/>
+                <a:sym typeface="Helvetica Neue"/>
+              </a:rPr>
+              <a:t>and negotiate an agreement.</a:t>
             </a:r>
             <a:endParaRPr lang="en-US" dirty="0"/>
           </a:p>
@@ -833,6 +867,81 @@
           <a:p>
             <a:r>
               <a:rPr lang="en-US" dirty="0" smtClean="0"/>
+              <a:t>1.</a:t>
+            </a:r>
+            <a:r>
+              <a:rPr lang="en-US" baseline="0" dirty="0" smtClean="0"/>
+              <a:t> Channel the product of evaluation through Value Analysis Consultant</a:t>
+            </a:r>
+          </a:p>
+          <a:p>
+            <a:r>
+              <a:rPr lang="en-US" baseline="0" dirty="0" smtClean="0"/>
+              <a:t>And this opened our eyes to the grand bureaucracy </a:t>
+            </a:r>
+            <a:endParaRPr lang="en-US" dirty="0"/>
+          </a:p>
+        </p:txBody>
+      </p:sp>
+    </p:spTree>
+    <p:extLst>
+      <p:ext uri="{BB962C8B-B14F-4D97-AF65-F5344CB8AC3E}">
+        <p14:creationId xmlns:p14="http://schemas.microsoft.com/office/powerpoint/2010/main" val="98352854"/>
+      </p:ext>
+    </p:extLst>
+  </p:cSld>
+  <p:clrMapOvr>
+    <a:masterClrMapping/>
+  </p:clrMapOvr>
+</p:notes>
+</file>
+
+<file path=ppt/notesSlides/notesSlide6.xml><?xml version="1.0" encoding="utf-8"?>
+<p:notes xmlns:a="http://schemas.openxmlformats.org/drawingml/2006/main" xmlns:r="http://schemas.openxmlformats.org/officeDocument/2006/relationships" xmlns:p="http://schemas.openxmlformats.org/presentationml/2006/main">
+  <p:cSld>
+    <p:spTree>
+      <p:nvGrpSpPr>
+        <p:cNvPr id="1" name=""/>
+        <p:cNvGrpSpPr/>
+        <p:nvPr/>
+      </p:nvGrpSpPr>
+      <p:grpSpPr>
+        <a:xfrm>
+          <a:off x="0" y="0"/>
+          <a:ext cx="0" cy="0"/>
+          <a:chOff x="0" y="0"/>
+          <a:chExt cx="0" cy="0"/>
+        </a:xfrm>
+      </p:grpSpPr>
+      <p:sp>
+        <p:nvSpPr>
+          <p:cNvPr id="2" name="Slide Image Placeholder 1"/>
+          <p:cNvSpPr>
+            <a:spLocks noGrp="1" noRot="1" noChangeAspect="1"/>
+          </p:cNvSpPr>
+          <p:nvPr>
+            <p:ph type="sldImg"/>
+          </p:nvPr>
+        </p:nvSpPr>
+        <p:spPr/>
+      </p:sp>
+      <p:sp>
+        <p:nvSpPr>
+          <p:cNvPr id="3" name="Notes Placeholder 2"/>
+          <p:cNvSpPr>
+            <a:spLocks noGrp="1"/>
+          </p:cNvSpPr>
+          <p:nvPr>
+            <p:ph type="body" idx="1"/>
+          </p:nvPr>
+        </p:nvSpPr>
+        <p:spPr/>
+        <p:txBody>
+          <a:bodyPr/>
+          <a:lstStyle/>
+          <a:p>
+            <a:r>
+              <a:rPr lang="en-US" dirty="0" smtClean="0"/>
               <a:t>http://www.mddionline.com/article/strategies-medical-device-manufacturers-address-hospital-value-analysis</a:t>
             </a:r>
           </a:p>
@@ -841,7 +950,7 @@
           </a:p>
           <a:p>
             <a:r>
-              <a:rPr lang="en-US" sz="2200" b="0" i="0" smtClean="0">
+              <a:rPr lang="en-US" sz="2200" b="0" i="0" dirty="0" smtClean="0">
                 <a:effectLst/>
                 <a:latin typeface="Helvetica Neue"/>
                 <a:ea typeface="Helvetica Neue"/>
@@ -850,7 +959,7 @@
               </a:rPr>
               <a:t>In the past, physician preference primarily drove device usage.</a:t>
             </a:r>
-            <a:endParaRPr lang="en-US"/>
+            <a:endParaRPr lang="en-US" dirty="0"/>
           </a:p>
         </p:txBody>
       </p:sp>
@@ -2943,7 +3052,7 @@
           </a:ln>
           <a:extLst>
             <a:ext uri="{C572A759-6A51-4108-AA02-DFA0A04FC94B}">
-              <ma14:wrappingTextBoxFlag xmlns:ma14="http://schemas.microsoft.com/office/mac/drawingml/2011/main" xmlns="" val="1"/>
+              <ma14:wrappingTextBoxFlag xmlns="" xmlns:ma14="http://schemas.microsoft.com/office/mac/drawingml/2011/main" val="1"/>
             </a:ext>
           </a:extLst>
         </p:spPr>
@@ -3002,7 +3111,7 @@
           </a:ln>
           <a:extLst>
             <a:ext uri="{C572A759-6A51-4108-AA02-DFA0A04FC94B}">
-              <ma14:wrappingTextBoxFlag xmlns:ma14="http://schemas.microsoft.com/office/mac/drawingml/2011/main" xmlns="" val="1"/>
+              <ma14:wrappingTextBoxFlag xmlns="" xmlns:ma14="http://schemas.microsoft.com/office/mac/drawingml/2011/main" val="1"/>
             </a:ext>
           </a:extLst>
         </p:spPr>
@@ -4001,7 +4110,7 @@
           </a:ln>
           <a:extLst>
             <a:ext uri="{C572A759-6A51-4108-AA02-DFA0A04FC94B}">
-              <ma14:wrappingTextBoxFlag xmlns:ma14="http://schemas.microsoft.com/office/mac/drawingml/2011/main" xmlns="" val="1"/>
+              <ma14:wrappingTextBoxFlag xmlns="" xmlns:ma14="http://schemas.microsoft.com/office/mac/drawingml/2011/main" val="1"/>
             </a:ext>
           </a:extLst>
         </p:spPr>
@@ -4090,14 +4199,14 @@
       </p:grpSpPr>
       <p:sp>
         <p:nvSpPr>
-          <p:cNvPr id="63" name="Shape 63"/>
+          <p:cNvPr id="66" name="Shape 66"/>
           <p:cNvSpPr/>
           <p:nvPr/>
         </p:nvSpPr>
         <p:spPr>
           <a:xfrm>
             <a:off x="1270000" y="6362700"/>
-            <a:ext cx="10464800" cy="469900"/>
+            <a:ext cx="10464800" cy="369332"/>
           </a:xfrm>
           <a:prstGeom prst="rect">
             <a:avLst/>
@@ -4107,7 +4216,7 @@
           </a:ln>
           <a:extLst>
             <a:ext uri="{C572A759-6A51-4108-AA02-DFA0A04FC94B}">
-              <ma14:wrappingTextBoxFlag xmlns:ma14="http://schemas.microsoft.com/office/mac/drawingml/2011/main" xmlns="" val="1"/>
+              <ma14:wrappingTextBoxFlag xmlns="" xmlns:ma14="http://schemas.microsoft.com/office/mac/drawingml/2011/main" val="1"/>
             </a:ext>
           </a:extLst>
         </p:spPr>
@@ -4130,7 +4239,7 @@
               </a:defRPr>
             </a:pPr>
             <a:r>
-              <a:rPr sz="2400" i="1">
+              <a:rPr sz="2400" i="1" dirty="0">
                 <a:solidFill>
                   <a:srgbClr val="86837F">
                     <a:alpha val="80000"/>
@@ -4142,14 +4251,41 @@
                   </a:outerShdw>
                 </a:effectLst>
               </a:rPr>
-              <a:t>- Ideas on policy compliance</a:t>
-            </a:r>
+              <a:t>– </a:t>
+            </a:r>
+            <a:r>
+              <a:rPr lang="en-US" sz="2400" i="1" dirty="0" smtClean="0">
+                <a:solidFill>
+                  <a:srgbClr val="86837F">
+                    <a:alpha val="80000"/>
+                  </a:srgbClr>
+                </a:solidFill>
+                <a:effectLst>
+                  <a:outerShdw blurRad="25400" dist="12700" dir="5400000" rotWithShape="0">
+                    <a:srgbClr val="FFFFFF"/>
+                  </a:outerShdw>
+                </a:effectLst>
+              </a:rPr>
+              <a:t>System Supply chain for hospitals</a:t>
+            </a:r>
+            <a:endParaRPr sz="2400" i="1" dirty="0">
+              <a:solidFill>
+                <a:srgbClr val="86837F">
+                  <a:alpha val="80000"/>
+                </a:srgbClr>
+              </a:solidFill>
+              <a:effectLst>
+                <a:outerShdw blurRad="25400" dist="12700" dir="5400000" rotWithShape="0">
+                  <a:srgbClr val="FFFFFF"/>
+                </a:outerShdw>
+              </a:effectLst>
+            </a:endParaRPr>
           </a:p>
         </p:txBody>
       </p:sp>
       <p:sp>
         <p:nvSpPr>
-          <p:cNvPr id="64" name="Shape 64"/>
+          <p:cNvPr id="67" name="Shape 67"/>
           <p:cNvSpPr/>
           <p:nvPr/>
         </p:nvSpPr>
@@ -4166,7 +4302,7 @@
           </a:ln>
           <a:extLst>
             <a:ext uri="{C572A759-6A51-4108-AA02-DFA0A04FC94B}">
-              <ma14:wrappingTextBoxFlag xmlns:ma14="http://schemas.microsoft.com/office/mac/drawingml/2011/main" xmlns="" val="1"/>
+              <ma14:wrappingTextBoxFlag xmlns="" xmlns:ma14="http://schemas.microsoft.com/office/mac/drawingml/2011/main" val="1"/>
             </a:ext>
           </a:extLst>
         </p:spPr>
@@ -4204,7 +4340,7 @@
                   </a:outerShdw>
                 </a:effectLst>
               </a:rPr>
-              <a:t>Kenneth A. Pascale</a:t>
+              <a:t>Ryan Oeullet</a:t>
             </a:r>
           </a:p>
         </p:txBody>
@@ -4244,7 +4380,7 @@
       </p:grpSpPr>
       <p:sp>
         <p:nvSpPr>
-          <p:cNvPr id="66" name="Shape 66"/>
+          <p:cNvPr id="60" name="Shape 60"/>
           <p:cNvSpPr/>
           <p:nvPr/>
         </p:nvSpPr>
@@ -4261,7 +4397,7 @@
           </a:ln>
           <a:extLst>
             <a:ext uri="{C572A759-6A51-4108-AA02-DFA0A04FC94B}">
-              <ma14:wrappingTextBoxFlag xmlns:ma14="http://schemas.microsoft.com/office/mac/drawingml/2011/main" xmlns="" val="1"/>
+              <ma14:wrappingTextBoxFlag xmlns="" xmlns:ma14="http://schemas.microsoft.com/office/mac/drawingml/2011/main" val="1"/>
             </a:ext>
           </a:extLst>
         </p:spPr>
@@ -4284,7 +4420,7 @@
               </a:defRPr>
             </a:pPr>
             <a:r>
-              <a:rPr sz="2400" i="1">
+              <a:rPr sz="2400" i="1" dirty="0">
                 <a:solidFill>
                   <a:srgbClr val="86837F">
                     <a:alpha val="80000"/>
@@ -4296,21 +4432,21 @@
                   </a:outerShdw>
                 </a:effectLst>
               </a:rPr>
-              <a:t>– Of supply chains for hospitals</a:t>
+              <a:t>– The people who decide whether a product is worth it or not </a:t>
             </a:r>
           </a:p>
         </p:txBody>
       </p:sp>
       <p:sp>
         <p:nvSpPr>
-          <p:cNvPr id="67" name="Shape 67"/>
+          <p:cNvPr id="61" name="Shape 61"/>
           <p:cNvSpPr/>
           <p:nvPr/>
         </p:nvSpPr>
         <p:spPr>
           <a:xfrm>
-            <a:off x="1270000" y="4241800"/>
-            <a:ext cx="10464800" cy="736600"/>
+            <a:off x="1270000" y="4286934"/>
+            <a:ext cx="10464800" cy="646331"/>
           </a:xfrm>
           <a:prstGeom prst="rect">
             <a:avLst/>
@@ -4320,7 +4456,7 @@
           </a:ln>
           <a:extLst>
             <a:ext uri="{C572A759-6A51-4108-AA02-DFA0A04FC94B}">
-              <ma14:wrappingTextBoxFlag xmlns:ma14="http://schemas.microsoft.com/office/mac/drawingml/2011/main" xmlns="" val="1"/>
+              <ma14:wrappingTextBoxFlag xmlns="" xmlns:ma14="http://schemas.microsoft.com/office/mac/drawingml/2011/main" val="1"/>
             </a:ext>
           </a:extLst>
         </p:spPr>
@@ -4346,7 +4482,7 @@
               </a:defRPr>
             </a:pPr>
             <a:r>
-              <a:rPr sz="4200" i="1">
+              <a:rPr sz="4200" i="1" dirty="0">
                 <a:solidFill>
                   <a:srgbClr val="86837F">
                     <a:alpha val="80000"/>
@@ -4358,8 +4494,50 @@
                   </a:outerShdw>
                 </a:effectLst>
               </a:rPr>
-              <a:t>Ryan Oeullet</a:t>
-            </a:r>
+              <a:t>The Value </a:t>
+            </a:r>
+            <a:r>
+              <a:rPr lang="en-US" sz="4200" i="1" dirty="0" smtClean="0">
+                <a:solidFill>
+                  <a:srgbClr val="86837F">
+                    <a:alpha val="80000"/>
+                  </a:srgbClr>
+                </a:solidFill>
+                <a:effectLst>
+                  <a:outerShdw blurRad="25400" dist="12700" dir="5400000" rotWithShape="0">
+                    <a:srgbClr val="FFFFFF"/>
+                  </a:outerShdw>
+                </a:effectLst>
+              </a:rPr>
+              <a:t>Analysis </a:t>
+            </a:r>
+            <a:r>
+              <a:rPr sz="4200" i="1" dirty="0" smtClean="0">
+                <a:solidFill>
+                  <a:srgbClr val="86837F">
+                    <a:alpha val="80000"/>
+                  </a:srgbClr>
+                </a:solidFill>
+                <a:effectLst>
+                  <a:outerShdw blurRad="25400" dist="12700" dir="5400000" rotWithShape="0">
+                    <a:srgbClr val="FFFFFF"/>
+                  </a:outerShdw>
+                </a:effectLst>
+              </a:rPr>
+              <a:t>Committee</a:t>
+            </a:r>
+            <a:endParaRPr sz="4200" i="1" dirty="0">
+              <a:solidFill>
+                <a:srgbClr val="86837F">
+                  <a:alpha val="80000"/>
+                </a:srgbClr>
+              </a:solidFill>
+              <a:effectLst>
+                <a:outerShdw blurRad="25400" dist="12700" dir="5400000" rotWithShape="0">
+                  <a:srgbClr val="FFFFFF"/>
+                </a:outerShdw>
+              </a:effectLst>
+            </a:endParaRPr>
           </a:p>
         </p:txBody>
       </p:sp>
@@ -4396,6 +4574,321 @@
           <a:chExt cx="0" cy="0"/>
         </a:xfrm>
       </p:grpSpPr>
+      <p:pic>
+        <p:nvPicPr>
+          <p:cNvPr id="3" name="Picture 3" descr="C:\Users\Arnold\Downloads\VACFlow.jpg"/>
+          <p:cNvPicPr>
+            <a:picLocks noChangeAspect="1" noChangeArrowheads="1"/>
+          </p:cNvPicPr>
+          <p:nvPr/>
+        </p:nvPicPr>
+        <p:blipFill>
+          <a:blip r:embed="rId2">
+            <a:extLst>
+              <a:ext uri="{BEBA8EAE-BF5A-486C-A8C5-ECC9F3942E4B}">
+                <a14:imgProps xmlns:a14="http://schemas.microsoft.com/office/drawing/2010/main">
+                  <a14:imgLayer r:embed="rId3">
+                    <a14:imgEffect>
+                      <a14:brightnessContrast contrast="-40000"/>
+                    </a14:imgEffect>
+                  </a14:imgLayer>
+                </a14:imgProps>
+              </a:ext>
+              <a:ext uri="{28A0092B-C50C-407E-A947-70E740481C1C}">
+                <a14:useLocalDpi xmlns:a14="http://schemas.microsoft.com/office/drawing/2010/main" val="0"/>
+              </a:ext>
+            </a:extLst>
+          </a:blip>
+          <a:srcRect/>
+          <a:stretch>
+            <a:fillRect/>
+          </a:stretch>
+        </p:blipFill>
+        <p:spPr bwMode="auto">
+          <a:xfrm>
+            <a:off x="787400" y="1359661"/>
+            <a:ext cx="11506200" cy="7555739"/>
+          </a:xfrm>
+          <a:prstGeom prst="rect">
+            <a:avLst/>
+          </a:prstGeom>
+          <a:noFill/>
+          <a:extLst>
+            <a:ext uri="{909E8E84-426E-40DD-AFC4-6F175D3DCCD1}">
+              <a14:hiddenFill xmlns:a14="http://schemas.microsoft.com/office/drawing/2010/main">
+                <a:solidFill>
+                  <a:srgbClr val="FFFFFF"/>
+                </a:solidFill>
+              </a14:hiddenFill>
+            </a:ext>
+          </a:extLst>
+        </p:spPr>
+      </p:pic>
+      <p:sp>
+        <p:nvSpPr>
+          <p:cNvPr id="4" name="Shape 61"/>
+          <p:cNvSpPr/>
+          <p:nvPr/>
+        </p:nvSpPr>
+        <p:spPr>
+          <a:xfrm>
+            <a:off x="787400" y="685800"/>
+            <a:ext cx="11506200" cy="646331"/>
+          </a:xfrm>
+          <a:prstGeom prst="rect">
+            <a:avLst/>
+          </a:prstGeom>
+          <a:ln w="12700">
+            <a:miter lim="400000"/>
+          </a:ln>
+          <a:extLst>
+            <a:ext uri="{C572A759-6A51-4108-AA02-DFA0A04FC94B}">
+              <ma14:wrappingTextBoxFlag xmlns="" xmlns:ma14="http://schemas.microsoft.com/office/mac/drawingml/2011/main" val="1"/>
+            </a:ext>
+          </a:extLst>
+        </p:spPr>
+        <p:txBody>
+          <a:bodyPr wrap="square" lIns="0" tIns="0" rIns="0" bIns="0" anchor="ctr">
+            <a:spAutoFit/>
+          </a:bodyPr>
+          <a:lstStyle>
+            <a:lvl1pPr>
+              <a:spcBef>
+                <a:spcPts val="2400"/>
+              </a:spcBef>
+              <a:defRPr sz="4200"/>
+            </a:lvl1pPr>
+          </a:lstStyle>
+          <a:p>
+            <a:pPr lvl="0">
+              <a:defRPr sz="1800" i="0">
+                <a:solidFill>
+                  <a:srgbClr val="000000"/>
+                </a:solidFill>
+                <a:effectLst/>
+              </a:defRPr>
+            </a:pPr>
+            <a:r>
+              <a:rPr lang="en-US" sz="4200" i="1" dirty="0" smtClean="0">
+                <a:solidFill>
+                  <a:srgbClr val="86837F">
+                    <a:alpha val="80000"/>
+                  </a:srgbClr>
+                </a:solidFill>
+                <a:effectLst>
+                  <a:outerShdw blurRad="25400" dist="12700" dir="5400000" rotWithShape="0">
+                    <a:srgbClr val="FFFFFF"/>
+                  </a:outerShdw>
+                </a:effectLst>
+              </a:rPr>
+              <a:t>VAC Decision Flow</a:t>
+            </a:r>
+            <a:endParaRPr sz="4200" i="1" dirty="0">
+              <a:solidFill>
+                <a:srgbClr val="86837F">
+                  <a:alpha val="80000"/>
+                </a:srgbClr>
+              </a:solidFill>
+              <a:effectLst>
+                <a:outerShdw blurRad="25400" dist="12700" dir="5400000" rotWithShape="0">
+                  <a:srgbClr val="FFFFFF"/>
+                </a:outerShdw>
+              </a:effectLst>
+            </a:endParaRPr>
+          </a:p>
+        </p:txBody>
+      </p:sp>
+    </p:spTree>
+    <p:extLst>
+      <p:ext uri="{BB962C8B-B14F-4D97-AF65-F5344CB8AC3E}">
+        <p14:creationId xmlns:p14="http://schemas.microsoft.com/office/powerpoint/2010/main" val="152718411"/>
+      </p:ext>
+    </p:extLst>
+  </p:cSld>
+  <p:clrMapOvr>
+    <a:masterClrMapping/>
+  </p:clrMapOvr>
+  <p:transition spd="med"/>
+  <p:timing>
+    <p:tnLst>
+      <p:par>
+        <p:cTn id="1" dur="indefinite" restart="never" nodeType="tmRoot"/>
+      </p:par>
+    </p:tnLst>
+  </p:timing>
+</p:sld>
+</file>
+
+<file path=ppt/slides/slide13.xml><?xml version="1.0" encoding="utf-8"?>
+<p:sld xmlns:a="http://schemas.openxmlformats.org/drawingml/2006/main" xmlns:r="http://schemas.openxmlformats.org/officeDocument/2006/relationships" xmlns:p="http://schemas.openxmlformats.org/presentationml/2006/main">
+  <p:cSld>
+    <p:spTree>
+      <p:nvGrpSpPr>
+        <p:cNvPr id="1" name=""/>
+        <p:cNvGrpSpPr/>
+        <p:nvPr/>
+      </p:nvGrpSpPr>
+      <p:grpSpPr>
+        <a:xfrm>
+          <a:off x="0" y="0"/>
+          <a:ext cx="0" cy="0"/>
+          <a:chOff x="0" y="0"/>
+          <a:chExt cx="0" cy="0"/>
+        </a:xfrm>
+      </p:grpSpPr>
+      <p:pic>
+        <p:nvPicPr>
+          <p:cNvPr id="2" name="Picture 2" descr="C:\Users\Arnold\Downloads\ValuePropFlo.jpg"/>
+          <p:cNvPicPr>
+            <a:picLocks noChangeAspect="1" noChangeArrowheads="1"/>
+          </p:cNvPicPr>
+          <p:nvPr/>
+        </p:nvPicPr>
+        <p:blipFill>
+          <a:blip r:embed="rId2">
+            <a:extLst>
+              <a:ext uri="{28A0092B-C50C-407E-A947-70E740481C1C}">
+                <a14:useLocalDpi xmlns:a14="http://schemas.microsoft.com/office/drawing/2010/main" val="0"/>
+              </a:ext>
+            </a:extLst>
+          </a:blip>
+          <a:srcRect/>
+          <a:stretch>
+            <a:fillRect/>
+          </a:stretch>
+        </p:blipFill>
+        <p:spPr bwMode="auto">
+          <a:xfrm>
+            <a:off x="787400" y="1512445"/>
+            <a:ext cx="11430000" cy="7402956"/>
+          </a:xfrm>
+          <a:prstGeom prst="rect">
+            <a:avLst/>
+          </a:prstGeom>
+          <a:noFill/>
+          <a:extLst>
+            <a:ext uri="{909E8E84-426E-40DD-AFC4-6F175D3DCCD1}">
+              <a14:hiddenFill xmlns:a14="http://schemas.microsoft.com/office/drawing/2010/main">
+                <a:solidFill>
+                  <a:srgbClr val="FFFFFF"/>
+                </a:solidFill>
+              </a14:hiddenFill>
+            </a:ext>
+          </a:extLst>
+        </p:spPr>
+      </p:pic>
+      <p:sp>
+        <p:nvSpPr>
+          <p:cNvPr id="3" name="Shape 61"/>
+          <p:cNvSpPr/>
+          <p:nvPr/>
+        </p:nvSpPr>
+        <p:spPr>
+          <a:xfrm>
+            <a:off x="711200" y="685800"/>
+            <a:ext cx="11582400" cy="646331"/>
+          </a:xfrm>
+          <a:prstGeom prst="rect">
+            <a:avLst/>
+          </a:prstGeom>
+          <a:ln w="12700">
+            <a:miter lim="400000"/>
+          </a:ln>
+          <a:extLst>
+            <a:ext uri="{C572A759-6A51-4108-AA02-DFA0A04FC94B}">
+              <ma14:wrappingTextBoxFlag xmlns="" xmlns:ma14="http://schemas.microsoft.com/office/mac/drawingml/2011/main" val="1"/>
+            </a:ext>
+          </a:extLst>
+        </p:spPr>
+        <p:txBody>
+          <a:bodyPr wrap="square" lIns="0" tIns="0" rIns="0" bIns="0" anchor="ctr">
+            <a:spAutoFit/>
+          </a:bodyPr>
+          <a:lstStyle>
+            <a:lvl1pPr>
+              <a:spcBef>
+                <a:spcPts val="2400"/>
+              </a:spcBef>
+              <a:defRPr sz="4200"/>
+            </a:lvl1pPr>
+          </a:lstStyle>
+          <a:p>
+            <a:pPr lvl="0">
+              <a:defRPr sz="1800" i="0">
+                <a:solidFill>
+                  <a:srgbClr val="000000"/>
+                </a:solidFill>
+                <a:effectLst/>
+              </a:defRPr>
+            </a:pPr>
+            <a:r>
+              <a:rPr lang="en-US" sz="4200" i="1" dirty="0" smtClean="0">
+                <a:solidFill>
+                  <a:srgbClr val="86837F">
+                    <a:alpha val="80000"/>
+                  </a:srgbClr>
+                </a:solidFill>
+                <a:effectLst>
+                  <a:outerShdw blurRad="25400" dist="12700" dir="5400000" rotWithShape="0">
+                    <a:srgbClr val="FFFFFF"/>
+                  </a:outerShdw>
+                </a:effectLst>
+              </a:rPr>
+              <a:t>Value Proposition</a:t>
+            </a:r>
+            <a:endParaRPr sz="4200" i="1" dirty="0">
+              <a:solidFill>
+                <a:srgbClr val="86837F">
+                  <a:alpha val="80000"/>
+                </a:srgbClr>
+              </a:solidFill>
+              <a:effectLst>
+                <a:outerShdw blurRad="25400" dist="12700" dir="5400000" rotWithShape="0">
+                  <a:srgbClr val="FFFFFF"/>
+                </a:outerShdw>
+              </a:effectLst>
+            </a:endParaRPr>
+          </a:p>
+        </p:txBody>
+      </p:sp>
+    </p:spTree>
+    <p:extLst>
+      <p:ext uri="{BB962C8B-B14F-4D97-AF65-F5344CB8AC3E}">
+        <p14:creationId xmlns:p14="http://schemas.microsoft.com/office/powerpoint/2010/main" val="653318800"/>
+      </p:ext>
+    </p:extLst>
+  </p:cSld>
+  <p:clrMapOvr>
+    <a:masterClrMapping/>
+  </p:clrMapOvr>
+  <p:transition spd="med"/>
+  <p:timing>
+    <p:tnLst>
+      <p:par>
+        <p:cTn id="1" dur="indefinite" restart="never" nodeType="tmRoot"/>
+      </p:par>
+    </p:tnLst>
+  </p:timing>
+</p:sld>
+</file>
+
+<file path=ppt/slides/slide14.xml><?xml version="1.0" encoding="utf-8"?>
+<p:sld xmlns:a="http://schemas.openxmlformats.org/drawingml/2006/main" xmlns:r="http://schemas.openxmlformats.org/officeDocument/2006/relationships" xmlns:p="http://schemas.openxmlformats.org/presentationml/2006/main">
+  <p:cSld>
+    <p:spTree>
+      <p:nvGrpSpPr>
+        <p:cNvPr id="1" name=""/>
+        <p:cNvGrpSpPr/>
+        <p:nvPr/>
+      </p:nvGrpSpPr>
+      <p:grpSpPr>
+        <a:xfrm>
+          <a:off x="0" y="0"/>
+          <a:ext cx="0" cy="0"/>
+          <a:chOff x="0" y="0"/>
+          <a:chExt cx="0" cy="0"/>
+        </a:xfrm>
+      </p:grpSpPr>
       <p:sp>
         <p:nvSpPr>
           <p:cNvPr id="69" name="Shape 69"/>
@@ -4415,7 +4908,7 @@
           </a:ln>
           <a:extLst>
             <a:ext uri="{C572A759-6A51-4108-AA02-DFA0A04FC94B}">
-              <ma14:wrappingTextBoxFlag xmlns:ma14="http://schemas.microsoft.com/office/mac/drawingml/2011/main" xmlns="" val="1"/>
+              <ma14:wrappingTextBoxFlag xmlns="" xmlns:ma14="http://schemas.microsoft.com/office/mac/drawingml/2011/main" val="1"/>
             </a:ext>
           </a:extLst>
         </p:spPr>
@@ -4474,7 +4967,7 @@
           </a:ln>
           <a:extLst>
             <a:ext uri="{C572A759-6A51-4108-AA02-DFA0A04FC94B}">
-              <ma14:wrappingTextBoxFlag xmlns:ma14="http://schemas.microsoft.com/office/mac/drawingml/2011/main" xmlns="" val="1"/>
+              <ma14:wrappingTextBoxFlag xmlns="" xmlns:ma14="http://schemas.microsoft.com/office/mac/drawingml/2011/main" val="1"/>
             </a:ext>
           </a:extLst>
         </p:spPr>
@@ -4533,7 +5026,7 @@
 </p:sld>
 </file>
 
-<file path=ppt/slides/slide13.xml><?xml version="1.0" encoding="utf-8"?>
+<file path=ppt/slides/slide15.xml><?xml version="1.0" encoding="utf-8"?>
 <p:sld xmlns:a="http://schemas.openxmlformats.org/drawingml/2006/main" xmlns:r="http://schemas.openxmlformats.org/officeDocument/2006/relationships" xmlns:p="http://schemas.openxmlformats.org/presentationml/2006/main">
   <p:cSld>
     <p:spTree>
@@ -4569,7 +5062,7 @@
           </a:ln>
           <a:extLst>
             <a:ext uri="{C572A759-6A51-4108-AA02-DFA0A04FC94B}">
-              <ma14:wrappingTextBoxFlag xmlns:ma14="http://schemas.microsoft.com/office/mac/drawingml/2011/main" xmlns="" val="1"/>
+              <ma14:wrappingTextBoxFlag xmlns="" xmlns:ma14="http://schemas.microsoft.com/office/mac/drawingml/2011/main" val="1"/>
             </a:ext>
           </a:extLst>
         </p:spPr>
@@ -4628,7 +5121,7 @@
           </a:ln>
           <a:extLst>
             <a:ext uri="{C572A759-6A51-4108-AA02-DFA0A04FC94B}">
-              <ma14:wrappingTextBoxFlag xmlns:ma14="http://schemas.microsoft.com/office/mac/drawingml/2011/main" xmlns="" val="1"/>
+              <ma14:wrappingTextBoxFlag xmlns="" xmlns:ma14="http://schemas.microsoft.com/office/mac/drawingml/2011/main" val="1"/>
             </a:ext>
           </a:extLst>
         </p:spPr>
@@ -4687,7 +5180,7 @@
 </p:sld>
 </file>
 
-<file path=ppt/slides/slide14.xml><?xml version="1.0" encoding="utf-8"?>
+<file path=ppt/slides/slide16.xml><?xml version="1.0" encoding="utf-8"?>
 <p:sld xmlns:a="http://schemas.openxmlformats.org/drawingml/2006/main" xmlns:r="http://schemas.openxmlformats.org/officeDocument/2006/relationships" xmlns:p="http://schemas.openxmlformats.org/presentationml/2006/main">
   <p:cSld>
     <p:spTree>
@@ -4927,7 +5420,7 @@
 </p:sld>
 </file>
 
-<file path=ppt/slides/slide15.xml><?xml version="1.0" encoding="utf-8"?>
+<file path=ppt/slides/slide17.xml><?xml version="1.0" encoding="utf-8"?>
 <p:sld xmlns:a="http://schemas.openxmlformats.org/drawingml/2006/main" xmlns:r="http://schemas.openxmlformats.org/officeDocument/2006/relationships" xmlns:p="http://schemas.openxmlformats.org/presentationml/2006/main">
   <p:cSld>
     <p:spTree>
@@ -4972,9 +5465,9 @@
               </a:defRPr>
             </a:pPr>
             <a:r>
-              <a:rPr sz="6800">
-                <a:solidFill>
-                  <a:srgbClr val="BCB08F"/>
+              <a:rPr sz="6800" dirty="0">
+                <a:solidFill>
+                  <a:schemeClr val="tx1"/>
                 </a:solidFill>
                 <a:effectLst>
                   <a:outerShdw blurRad="12700" dist="12700" dir="16200000" rotWithShape="0">
@@ -5000,6 +5493,10 @@
           </p:nvPr>
         </p:nvSpPr>
         <p:spPr>
+          <a:xfrm>
+            <a:off x="1270000" y="3035300"/>
+            <a:ext cx="10464800" cy="5575300"/>
+          </a:xfrm>
           <a:prstGeom prst="rect">
             <a:avLst/>
           </a:prstGeom>
@@ -5008,10 +5505,8 @@
           <a:bodyPr/>
           <a:lstStyle/>
           <a:p>
-            <a:pPr lvl="0">
-              <a:buBlip>
-                <a:blip r:embed="rId2"/>
-              </a:buBlip>
+            <a:pPr marL="0" lvl="0" indent="0">
+              <a:buNone/>
               <a:defRPr sz="1800" i="0">
                 <a:solidFill>
                   <a:srgbClr val="000000"/>
@@ -5020,11 +5515,11 @@
               </a:defRPr>
             </a:pPr>
             <a:r>
-              <a:rPr sz="3600" i="1">
-                <a:solidFill>
-                  <a:srgbClr val="86837F">
+              <a:rPr sz="3600" i="1" dirty="0">
+                <a:solidFill>
+                  <a:schemeClr val="tx1">
                     <a:alpha val="80000"/>
-                  </a:srgbClr>
+                  </a:schemeClr>
                 </a:solidFill>
                 <a:effectLst>
                   <a:outerShdw blurRad="25400" dist="12700" dir="5400000" rotWithShape="0">
@@ -5036,10 +5531,8 @@
             </a:r>
           </a:p>
           <a:p>
-            <a:pPr lvl="0">
-              <a:buBlip>
-                <a:blip r:embed="rId2"/>
-              </a:buBlip>
+            <a:pPr marL="0" lvl="0" indent="0">
+              <a:buNone/>
               <a:defRPr sz="1800" i="0">
                 <a:solidFill>
                   <a:srgbClr val="000000"/>
@@ -5048,11 +5541,11 @@
               </a:defRPr>
             </a:pPr>
             <a:r>
-              <a:rPr sz="3600" i="1">
-                <a:solidFill>
-                  <a:srgbClr val="86837F">
+              <a:rPr sz="3600" i="1" dirty="0">
+                <a:solidFill>
+                  <a:schemeClr val="tx1">
                     <a:alpha val="80000"/>
-                  </a:srgbClr>
+                  </a:schemeClr>
                 </a:solidFill>
                 <a:effectLst>
                   <a:outerShdw blurRad="25400" dist="12700" dir="5400000" rotWithShape="0">
@@ -5064,10 +5557,8 @@
             </a:r>
           </a:p>
           <a:p>
-            <a:pPr lvl="0">
-              <a:buBlip>
-                <a:blip r:embed="rId2"/>
-              </a:buBlip>
+            <a:pPr marL="0" lvl="0" indent="0">
+              <a:buNone/>
               <a:defRPr sz="1800" i="0">
                 <a:solidFill>
                   <a:srgbClr val="000000"/>
@@ -5076,11 +5567,11 @@
               </a:defRPr>
             </a:pPr>
             <a:r>
-              <a:rPr sz="3600" i="1">
-                <a:solidFill>
-                  <a:srgbClr val="86837F">
+              <a:rPr sz="3600" i="1" dirty="0">
+                <a:solidFill>
+                  <a:schemeClr val="tx1">
                     <a:alpha val="80000"/>
-                  </a:srgbClr>
+                  </a:schemeClr>
                 </a:solidFill>
                 <a:effectLst>
                   <a:outerShdw blurRad="25400" dist="12700" dir="5400000" rotWithShape="0">
@@ -5088,27 +5579,14 @@
                   </a:outerShdw>
                 </a:effectLst>
               </a:rPr>
-              <a:t>Rewards to backers decided</a:t>
-            </a:r>
-          </a:p>
-          <a:p>
-            <a:pPr lvl="0">
-              <a:buBlip>
-                <a:blip r:embed="rId2"/>
-              </a:buBlip>
-              <a:defRPr sz="1800" i="0">
-                <a:solidFill>
-                  <a:srgbClr val="000000"/>
-                </a:solidFill>
-                <a:effectLst/>
-              </a:defRPr>
-            </a:pPr>
-            <a:r>
-              <a:rPr sz="3600" i="1">
-                <a:solidFill>
-                  <a:srgbClr val="86837F">
+              <a:t>Rewards to backers </a:t>
+            </a:r>
+            <a:r>
+              <a:rPr sz="3600" i="1" dirty="0" smtClean="0">
+                <a:solidFill>
+                  <a:schemeClr val="tx1">
                     <a:alpha val="80000"/>
-                  </a:srgbClr>
+                  </a:schemeClr>
                 </a:solidFill>
                 <a:effectLst>
                   <a:outerShdw blurRad="25400" dist="12700" dir="5400000" rotWithShape="0">
@@ -5116,8 +5594,38 @@
                   </a:outerShdw>
                 </a:effectLst>
               </a:rPr>
-              <a:t>End user clarification made</a:t>
-            </a:r>
+              <a:t>decided</a:t>
+            </a:r>
+            <a:endParaRPr lang="en-US" sz="3600" i="1" dirty="0" smtClean="0">
+              <a:solidFill>
+                <a:schemeClr val="tx1">
+                  <a:alpha val="80000"/>
+                </a:schemeClr>
+              </a:solidFill>
+              <a:effectLst>
+                <a:outerShdw blurRad="25400" dist="12700" dir="5400000" rotWithShape="0">
+                  <a:srgbClr val="FFFFFF"/>
+                </a:outerShdw>
+              </a:effectLst>
+            </a:endParaRPr>
+          </a:p>
+          <a:p>
+            <a:pPr marL="0" lvl="0" indent="0">
+              <a:buNone/>
+              <a:defRPr sz="1800" i="0">
+                <a:solidFill>
+                  <a:srgbClr val="000000"/>
+                </a:solidFill>
+                <a:effectLst/>
+              </a:defRPr>
+            </a:pPr>
+            <a:endParaRPr lang="en-US" dirty="0">
+              <a:solidFill>
+                <a:schemeClr val="tx1">
+                  <a:alpha val="80000"/>
+                </a:schemeClr>
+              </a:solidFill>
+            </a:endParaRPr>
           </a:p>
         </p:txBody>
       </p:sp>
@@ -5371,7 +5879,7 @@
           </a:ln>
           <a:extLst>
             <a:ext uri="{C572A759-6A51-4108-AA02-DFA0A04FC94B}">
-              <ma14:wrappingTextBoxFlag xmlns:ma14="http://schemas.microsoft.com/office/mac/drawingml/2011/main" xmlns="" val="1"/>
+              <ma14:wrappingTextBoxFlag xmlns="" xmlns:ma14="http://schemas.microsoft.com/office/mac/drawingml/2011/main" val="1"/>
             </a:ext>
           </a:extLst>
         </p:spPr>
@@ -5605,7 +6113,7 @@
           </a:ln>
           <a:extLst>
             <a:ext uri="{C572A759-6A51-4108-AA02-DFA0A04FC94B}">
-              <ma14:wrappingTextBoxFlag xmlns:ma14="http://schemas.microsoft.com/office/mac/drawingml/2011/main" xmlns="" val="1"/>
+              <ma14:wrappingTextBoxFlag xmlns="" xmlns:ma14="http://schemas.microsoft.com/office/mac/drawingml/2011/main" val="1"/>
             </a:ext>
           </a:extLst>
         </p:spPr>
@@ -6399,10 +6907,8 @@
           <a:bodyPr/>
           <a:lstStyle/>
           <a:p>
-            <a:pPr lvl="0">
-              <a:buBlip>
-                <a:blip r:embed="rId2"/>
-              </a:buBlip>
+            <a:pPr marL="0" lvl="0" indent="0">
+              <a:buNone/>
               <a:defRPr sz="1800" i="0">
                 <a:solidFill>
                   <a:srgbClr val="000000"/>
@@ -6449,10 +6955,8 @@
             </a:endParaRPr>
           </a:p>
           <a:p>
-            <a:pPr lvl="0">
-              <a:buBlip>
-                <a:blip r:embed="rId2"/>
-              </a:buBlip>
+            <a:pPr marL="0" lvl="0" indent="0">
+              <a:buNone/>
               <a:defRPr sz="1800" i="0">
                 <a:solidFill>
                   <a:srgbClr val="000000"/>
@@ -6489,10 +6993,8 @@
             </a:endParaRPr>
           </a:p>
           <a:p>
-            <a:pPr lvl="0">
-              <a:buBlip>
-                <a:blip r:embed="rId2"/>
-              </a:buBlip>
+            <a:pPr marL="0" lvl="0" indent="0">
+              <a:buNone/>
               <a:defRPr sz="1800" i="0">
                 <a:solidFill>
                   <a:srgbClr val="000000"/>
@@ -6517,10 +7019,8 @@
             </a:r>
           </a:p>
           <a:p>
-            <a:pPr lvl="0">
-              <a:buBlip>
-                <a:blip r:embed="rId2"/>
-              </a:buBlip>
+            <a:pPr marL="0" lvl="0" indent="0">
+              <a:buNone/>
               <a:defRPr sz="1800" i="0">
                 <a:solidFill>
                   <a:srgbClr val="000000"/>
@@ -6545,10 +7045,8 @@
             </a:r>
           </a:p>
           <a:p>
-            <a:pPr lvl="0">
-              <a:buBlip>
-                <a:blip r:embed="rId2"/>
-              </a:buBlip>
+            <a:pPr marL="0" lvl="0" indent="0">
+              <a:buNone/>
               <a:defRPr sz="1800" i="0">
                 <a:solidFill>
                   <a:srgbClr val="000000"/>
@@ -6731,7 +7229,7 @@
           </a:ln>
           <a:extLst>
             <a:ext uri="{C572A759-6A51-4108-AA02-DFA0A04FC94B}">
-              <ma14:wrappingTextBoxFlag xmlns:ma14="http://schemas.microsoft.com/office/mac/drawingml/2011/main" xmlns="" val="1"/>
+              <ma14:wrappingTextBoxFlag xmlns="" xmlns:ma14="http://schemas.microsoft.com/office/mac/drawingml/2011/main" val="1"/>
             </a:ext>
           </a:extLst>
         </p:spPr>
@@ -6817,7 +7315,7 @@
           </a:ln>
           <a:extLst>
             <a:ext uri="{C572A759-6A51-4108-AA02-DFA0A04FC94B}">
-              <ma14:wrappingTextBoxFlag xmlns:ma14="http://schemas.microsoft.com/office/mac/drawingml/2011/main" xmlns="" val="1"/>
+              <ma14:wrappingTextBoxFlag xmlns="" xmlns:ma14="http://schemas.microsoft.com/office/mac/drawingml/2011/main" val="1"/>
             </a:ext>
           </a:extLst>
         </p:spPr>
@@ -6924,7 +7422,7 @@
           </a:ln>
           <a:extLst>
             <a:ext uri="{C572A759-6A51-4108-AA02-DFA0A04FC94B}">
-              <ma14:wrappingTextBoxFlag xmlns:ma14="http://schemas.microsoft.com/office/mac/drawingml/2011/main" xmlns="" val="1"/>
+              <ma14:wrappingTextBoxFlag xmlns="" xmlns:ma14="http://schemas.microsoft.com/office/mac/drawingml/2011/main" val="1"/>
             </a:ext>
           </a:extLst>
         </p:spPr>
@@ -7043,7 +7541,7 @@
           </a:ln>
           <a:extLst>
             <a:ext uri="{C572A759-6A51-4108-AA02-DFA0A04FC94B}">
-              <ma14:wrappingTextBoxFlag xmlns:ma14="http://schemas.microsoft.com/office/mac/drawingml/2011/main" xmlns="" val="1"/>
+              <ma14:wrappingTextBoxFlag xmlns="" xmlns:ma14="http://schemas.microsoft.com/office/mac/drawingml/2011/main" val="1"/>
             </a:ext>
           </a:extLst>
         </p:spPr>
@@ -7145,14 +7643,14 @@
       </p:grpSpPr>
       <p:sp>
         <p:nvSpPr>
-          <p:cNvPr id="60" name="Shape 60"/>
+          <p:cNvPr id="63" name="Shape 63"/>
           <p:cNvSpPr/>
           <p:nvPr/>
         </p:nvSpPr>
         <p:spPr>
           <a:xfrm>
             <a:off x="1270000" y="6362700"/>
-            <a:ext cx="10464800" cy="469900"/>
+            <a:ext cx="10464800" cy="369332"/>
           </a:xfrm>
           <a:prstGeom prst="rect">
             <a:avLst/>
@@ -7162,7 +7660,7 @@
           </a:ln>
           <a:extLst>
             <a:ext uri="{C572A759-6A51-4108-AA02-DFA0A04FC94B}">
-              <ma14:wrappingTextBoxFlag xmlns:ma14="http://schemas.microsoft.com/office/mac/drawingml/2011/main" xmlns="" val="1"/>
+              <ma14:wrappingTextBoxFlag xmlns="" xmlns:ma14="http://schemas.microsoft.com/office/mac/drawingml/2011/main" val="1"/>
             </a:ext>
           </a:extLst>
         </p:spPr>
@@ -7197,14 +7695,56 @@
                   </a:outerShdw>
                 </a:effectLst>
               </a:rPr>
-              <a:t>– The people who decide whether a product is worth it or not </a:t>
-            </a:r>
+              <a:t>- Ideas on policy </a:t>
+            </a:r>
+            <a:r>
+              <a:rPr sz="2400" i="1" dirty="0" smtClean="0">
+                <a:solidFill>
+                  <a:srgbClr val="86837F">
+                    <a:alpha val="80000"/>
+                  </a:srgbClr>
+                </a:solidFill>
+                <a:effectLst>
+                  <a:outerShdw blurRad="25400" dist="12700" dir="5400000" rotWithShape="0">
+                    <a:srgbClr val="FFFFFF"/>
+                  </a:outerShdw>
+                </a:effectLst>
+              </a:rPr>
+              <a:t>compliance</a:t>
+            </a:r>
+            <a:r>
+              <a:rPr lang="en-US" sz="2400" i="1" dirty="0" smtClean="0">
+                <a:solidFill>
+                  <a:srgbClr val="86837F">
+                    <a:alpha val="80000"/>
+                  </a:srgbClr>
+                </a:solidFill>
+                <a:effectLst>
+                  <a:outerShdw blurRad="25400" dist="12700" dir="5400000" rotWithShape="0">
+                    <a:srgbClr val="FFFFFF"/>
+                  </a:outerShdw>
+                </a:effectLst>
+              </a:rPr>
+              <a:t> and IV manufacturers</a:t>
+            </a:r>
+            <a:endParaRPr sz="2400" i="1" dirty="0">
+              <a:solidFill>
+                <a:srgbClr val="86837F">
+                  <a:alpha val="80000"/>
+                </a:srgbClr>
+              </a:solidFill>
+              <a:effectLst>
+                <a:outerShdw blurRad="25400" dist="12700" dir="5400000" rotWithShape="0">
+                  <a:srgbClr val="FFFFFF"/>
+                </a:outerShdw>
+              </a:effectLst>
+            </a:endParaRPr>
           </a:p>
         </p:txBody>
       </p:sp>
       <p:sp>
         <p:nvSpPr>
-          <p:cNvPr id="61" name="Shape 61"/>
+          <p:cNvPr id="64" name="Shape 64"/>
           <p:cNvSpPr/>
           <p:nvPr/>
         </p:nvSpPr>
@@ -7221,7 +7761,7 @@
           </a:ln>
           <a:extLst>
             <a:ext uri="{C572A759-6A51-4108-AA02-DFA0A04FC94B}">
-              <ma14:wrappingTextBoxFlag xmlns:ma14="http://schemas.microsoft.com/office/mac/drawingml/2011/main" xmlns="" val="1"/>
+              <ma14:wrappingTextBoxFlag xmlns="" xmlns:ma14="http://schemas.microsoft.com/office/mac/drawingml/2011/main" val="1"/>
             </a:ext>
           </a:extLst>
         </p:spPr>
@@ -7259,7 +7799,7 @@
                   </a:outerShdw>
                 </a:effectLst>
               </a:rPr>
-              <a:t>The Value Assessment Committee</a:t>
+              <a:t>Kenneth A. Pascale</a:t>
             </a:r>
           </a:p>
         </p:txBody>

--- a/Public Relations/Smart Drip Chamber Presentation.pptx
+++ b/Public Relations/Smart Drip Chamber Presentation.pptx
@@ -689,39 +689,7 @@
                 <a:latin typeface="Helvetica Neue"/>
                 <a:sym typeface="Helvetica Neue"/>
               </a:rPr>
-              <a:t> to approach Distributors and Manufacturers for Manufacturing or Licensing agreements, we first need to secure a patent for our product. From here it’s just simply finding any one of Medical Action Industries, </a:t>
-            </a:r>
-            <a:r>
-              <a:rPr lang="en-US" sz="2200" b="0" i="0" baseline="0" dirty="0" smtClean="0">
-                <a:effectLst/>
-                <a:latin typeface="Helvetica Neue"/>
-                <a:sym typeface="Helvetica Neue"/>
-              </a:rPr>
-              <a:t>Medline</a:t>
-            </a:r>
-            <a:r>
-              <a:rPr lang="en-US" sz="2200" b="0" i="0" baseline="0" dirty="0" smtClean="0">
-                <a:effectLst/>
-                <a:latin typeface="Helvetica Neue"/>
-                <a:sym typeface="Helvetica Neue"/>
-              </a:rPr>
-              <a:t>, or </a:t>
-            </a:r>
-            <a:r>
-              <a:rPr lang="en-US" sz="2200" b="0" i="0" baseline="0" dirty="0" smtClean="0">
-                <a:effectLst/>
-                <a:latin typeface="Helvetica Neue"/>
-                <a:sym typeface="Helvetica Neue"/>
-              </a:rPr>
-              <a:t>Braun </a:t>
-            </a:r>
-            <a:r>
-              <a:rPr lang="en-US" sz="2200" b="0" i="0" baseline="0" dirty="0" smtClean="0">
-                <a:effectLst/>
-                <a:latin typeface="Helvetica Neue"/>
-                <a:sym typeface="Helvetica Neue"/>
-              </a:rPr>
-              <a:t>and negotiate an agreement.</a:t>
+              <a:t> to approach Distributors and Manufacturers for Manufacturing or Licensing agreements, we first need to secure a patent for our product. From here it’s just simply finding any one of Medical Action Industries, Medline, or Braun and negotiate an agreement.</a:t>
             </a:r>
             <a:endParaRPr lang="en-US" dirty="0"/>
           </a:p>
@@ -3052,7 +3020,7 @@
           </a:ln>
           <a:extLst>
             <a:ext uri="{C572A759-6A51-4108-AA02-DFA0A04FC94B}">
-              <ma14:wrappingTextBoxFlag xmlns="" xmlns:ma14="http://schemas.microsoft.com/office/mac/drawingml/2011/main" val="1"/>
+              <ma14:wrappingTextBoxFlag xmlns:ma14="http://schemas.microsoft.com/office/mac/drawingml/2011/main" xmlns="" val="1"/>
             </a:ext>
           </a:extLst>
         </p:spPr>
@@ -3111,7 +3079,7 @@
           </a:ln>
           <a:extLst>
             <a:ext uri="{C572A759-6A51-4108-AA02-DFA0A04FC94B}">
-              <ma14:wrappingTextBoxFlag xmlns="" xmlns:ma14="http://schemas.microsoft.com/office/mac/drawingml/2011/main" val="1"/>
+              <ma14:wrappingTextBoxFlag xmlns:ma14="http://schemas.microsoft.com/office/mac/drawingml/2011/main" xmlns="" val="1"/>
             </a:ext>
           </a:extLst>
         </p:spPr>
@@ -4110,7 +4078,7 @@
           </a:ln>
           <a:extLst>
             <a:ext uri="{C572A759-6A51-4108-AA02-DFA0A04FC94B}">
-              <ma14:wrappingTextBoxFlag xmlns="" xmlns:ma14="http://schemas.microsoft.com/office/mac/drawingml/2011/main" val="1"/>
+              <ma14:wrappingTextBoxFlag xmlns:ma14="http://schemas.microsoft.com/office/mac/drawingml/2011/main" xmlns="" val="1"/>
             </a:ext>
           </a:extLst>
         </p:spPr>
@@ -4216,7 +4184,7 @@
           </a:ln>
           <a:extLst>
             <a:ext uri="{C572A759-6A51-4108-AA02-DFA0A04FC94B}">
-              <ma14:wrappingTextBoxFlag xmlns="" xmlns:ma14="http://schemas.microsoft.com/office/mac/drawingml/2011/main" val="1"/>
+              <ma14:wrappingTextBoxFlag xmlns:ma14="http://schemas.microsoft.com/office/mac/drawingml/2011/main" xmlns="" val="1"/>
             </a:ext>
           </a:extLst>
         </p:spPr>
@@ -4302,7 +4270,7 @@
           </a:ln>
           <a:extLst>
             <a:ext uri="{C572A759-6A51-4108-AA02-DFA0A04FC94B}">
-              <ma14:wrappingTextBoxFlag xmlns="" xmlns:ma14="http://schemas.microsoft.com/office/mac/drawingml/2011/main" val="1"/>
+              <ma14:wrappingTextBoxFlag xmlns:ma14="http://schemas.microsoft.com/office/mac/drawingml/2011/main" xmlns="" val="1"/>
             </a:ext>
           </a:extLst>
         </p:spPr>
@@ -4397,7 +4365,7 @@
           </a:ln>
           <a:extLst>
             <a:ext uri="{C572A759-6A51-4108-AA02-DFA0A04FC94B}">
-              <ma14:wrappingTextBoxFlag xmlns="" xmlns:ma14="http://schemas.microsoft.com/office/mac/drawingml/2011/main" val="1"/>
+              <ma14:wrappingTextBoxFlag xmlns:ma14="http://schemas.microsoft.com/office/mac/drawingml/2011/main" xmlns="" val="1"/>
             </a:ext>
           </a:extLst>
         </p:spPr>
@@ -4456,7 +4424,7 @@
           </a:ln>
           <a:extLst>
             <a:ext uri="{C572A759-6A51-4108-AA02-DFA0A04FC94B}">
-              <ma14:wrappingTextBoxFlag xmlns="" xmlns:ma14="http://schemas.microsoft.com/office/mac/drawingml/2011/main" val="1"/>
+              <ma14:wrappingTextBoxFlag xmlns:ma14="http://schemas.microsoft.com/office/mac/drawingml/2011/main" xmlns="" val="1"/>
             </a:ext>
           </a:extLst>
         </p:spPr>
@@ -4643,7 +4611,7 @@
           </a:ln>
           <a:extLst>
             <a:ext uri="{C572A759-6A51-4108-AA02-DFA0A04FC94B}">
-              <ma14:wrappingTextBoxFlag xmlns="" xmlns:ma14="http://schemas.microsoft.com/office/mac/drawingml/2011/main" val="1"/>
+              <ma14:wrappingTextBoxFlag xmlns:ma14="http://schemas.microsoft.com/office/mac/drawingml/2011/main" xmlns="" val="1"/>
             </a:ext>
           </a:extLst>
         </p:spPr>
@@ -4796,7 +4764,7 @@
           </a:ln>
           <a:extLst>
             <a:ext uri="{C572A759-6A51-4108-AA02-DFA0A04FC94B}">
-              <ma14:wrappingTextBoxFlag xmlns="" xmlns:ma14="http://schemas.microsoft.com/office/mac/drawingml/2011/main" val="1"/>
+              <ma14:wrappingTextBoxFlag xmlns:ma14="http://schemas.microsoft.com/office/mac/drawingml/2011/main" xmlns="" val="1"/>
             </a:ext>
           </a:extLst>
         </p:spPr>
@@ -4908,7 +4876,7 @@
           </a:ln>
           <a:extLst>
             <a:ext uri="{C572A759-6A51-4108-AA02-DFA0A04FC94B}">
-              <ma14:wrappingTextBoxFlag xmlns="" xmlns:ma14="http://schemas.microsoft.com/office/mac/drawingml/2011/main" val="1"/>
+              <ma14:wrappingTextBoxFlag xmlns:ma14="http://schemas.microsoft.com/office/mac/drawingml/2011/main" xmlns="" val="1"/>
             </a:ext>
           </a:extLst>
         </p:spPr>
@@ -4967,7 +4935,7 @@
           </a:ln>
           <a:extLst>
             <a:ext uri="{C572A759-6A51-4108-AA02-DFA0A04FC94B}">
-              <ma14:wrappingTextBoxFlag xmlns="" xmlns:ma14="http://schemas.microsoft.com/office/mac/drawingml/2011/main" val="1"/>
+              <ma14:wrappingTextBoxFlag xmlns:ma14="http://schemas.microsoft.com/office/mac/drawingml/2011/main" xmlns="" val="1"/>
             </a:ext>
           </a:extLst>
         </p:spPr>
@@ -5062,7 +5030,7 @@
           </a:ln>
           <a:extLst>
             <a:ext uri="{C572A759-6A51-4108-AA02-DFA0A04FC94B}">
-              <ma14:wrappingTextBoxFlag xmlns="" xmlns:ma14="http://schemas.microsoft.com/office/mac/drawingml/2011/main" val="1"/>
+              <ma14:wrappingTextBoxFlag xmlns:ma14="http://schemas.microsoft.com/office/mac/drawingml/2011/main" xmlns="" val="1"/>
             </a:ext>
           </a:extLst>
         </p:spPr>
@@ -5121,7 +5089,7 @@
           </a:ln>
           <a:extLst>
             <a:ext uri="{C572A759-6A51-4108-AA02-DFA0A04FC94B}">
-              <ma14:wrappingTextBoxFlag xmlns="" xmlns:ma14="http://schemas.microsoft.com/office/mac/drawingml/2011/main" val="1"/>
+              <ma14:wrappingTextBoxFlag xmlns:ma14="http://schemas.microsoft.com/office/mac/drawingml/2011/main" xmlns="" val="1"/>
             </a:ext>
           </a:extLst>
         </p:spPr>
@@ -5879,7 +5847,7 @@
           </a:ln>
           <a:extLst>
             <a:ext uri="{C572A759-6A51-4108-AA02-DFA0A04FC94B}">
-              <ma14:wrappingTextBoxFlag xmlns="" xmlns:ma14="http://schemas.microsoft.com/office/mac/drawingml/2011/main" val="1"/>
+              <ma14:wrappingTextBoxFlag xmlns:ma14="http://schemas.microsoft.com/office/mac/drawingml/2011/main" xmlns="" val="1"/>
             </a:ext>
           </a:extLst>
         </p:spPr>
@@ -6113,7 +6081,7 @@
           </a:ln>
           <a:extLst>
             <a:ext uri="{C572A759-6A51-4108-AA02-DFA0A04FC94B}">
-              <ma14:wrappingTextBoxFlag xmlns="" xmlns:ma14="http://schemas.microsoft.com/office/mac/drawingml/2011/main" val="1"/>
+              <ma14:wrappingTextBoxFlag xmlns:ma14="http://schemas.microsoft.com/office/mac/drawingml/2011/main" xmlns="" val="1"/>
             </a:ext>
           </a:extLst>
         </p:spPr>
@@ -7229,7 +7197,7 @@
           </a:ln>
           <a:extLst>
             <a:ext uri="{C572A759-6A51-4108-AA02-DFA0A04FC94B}">
-              <ma14:wrappingTextBoxFlag xmlns="" xmlns:ma14="http://schemas.microsoft.com/office/mac/drawingml/2011/main" val="1"/>
+              <ma14:wrappingTextBoxFlag xmlns:ma14="http://schemas.microsoft.com/office/mac/drawingml/2011/main" xmlns="" val="1"/>
             </a:ext>
           </a:extLst>
         </p:spPr>
@@ -7315,7 +7283,7 @@
           </a:ln>
           <a:extLst>
             <a:ext uri="{C572A759-6A51-4108-AA02-DFA0A04FC94B}">
-              <ma14:wrappingTextBoxFlag xmlns="" xmlns:ma14="http://schemas.microsoft.com/office/mac/drawingml/2011/main" val="1"/>
+              <ma14:wrappingTextBoxFlag xmlns:ma14="http://schemas.microsoft.com/office/mac/drawingml/2011/main" xmlns="" val="1"/>
             </a:ext>
           </a:extLst>
         </p:spPr>
@@ -7422,7 +7390,7 @@
           </a:ln>
           <a:extLst>
             <a:ext uri="{C572A759-6A51-4108-AA02-DFA0A04FC94B}">
-              <ma14:wrappingTextBoxFlag xmlns="" xmlns:ma14="http://schemas.microsoft.com/office/mac/drawingml/2011/main" val="1"/>
+              <ma14:wrappingTextBoxFlag xmlns:ma14="http://schemas.microsoft.com/office/mac/drawingml/2011/main" xmlns="" val="1"/>
             </a:ext>
           </a:extLst>
         </p:spPr>
@@ -7541,7 +7509,7 @@
           </a:ln>
           <a:extLst>
             <a:ext uri="{C572A759-6A51-4108-AA02-DFA0A04FC94B}">
-              <ma14:wrappingTextBoxFlag xmlns="" xmlns:ma14="http://schemas.microsoft.com/office/mac/drawingml/2011/main" val="1"/>
+              <ma14:wrappingTextBoxFlag xmlns:ma14="http://schemas.microsoft.com/office/mac/drawingml/2011/main" xmlns="" val="1"/>
             </a:ext>
           </a:extLst>
         </p:spPr>
@@ -7660,7 +7628,7 @@
           </a:ln>
           <a:extLst>
             <a:ext uri="{C572A759-6A51-4108-AA02-DFA0A04FC94B}">
-              <ma14:wrappingTextBoxFlag xmlns="" xmlns:ma14="http://schemas.microsoft.com/office/mac/drawingml/2011/main" val="1"/>
+              <ma14:wrappingTextBoxFlag xmlns:ma14="http://schemas.microsoft.com/office/mac/drawingml/2011/main" xmlns="" val="1"/>
             </a:ext>
           </a:extLst>
         </p:spPr>
@@ -7761,7 +7729,7 @@
           </a:ln>
           <a:extLst>
             <a:ext uri="{C572A759-6A51-4108-AA02-DFA0A04FC94B}">
-              <ma14:wrappingTextBoxFlag xmlns="" xmlns:ma14="http://schemas.microsoft.com/office/mac/drawingml/2011/main" val="1"/>
+              <ma14:wrappingTextBoxFlag xmlns:ma14="http://schemas.microsoft.com/office/mac/drawingml/2011/main" xmlns="" val="1"/>
             </a:ext>
           </a:extLst>
         </p:spPr>
